--- a/Image/Banners.pptx
+++ b/Image/Banners.pptx
@@ -248,7 +248,7 @@
           <a:p>
             <a:fld id="{B46AAE34-CC7D-44A2-8AD8-29A5577BC5DC}" type="datetimeFigureOut">
               <a:rPr lang="en-US" smtClean="0"/>
-              <a:t>10/18/2019</a:t>
+              <a:t>1/6/2020</a:t>
             </a:fld>
             <a:endParaRPr lang="en-US"/>
           </a:p>
@@ -418,7 +418,7 @@
           <a:p>
             <a:fld id="{B46AAE34-CC7D-44A2-8AD8-29A5577BC5DC}" type="datetimeFigureOut">
               <a:rPr lang="en-US" smtClean="0"/>
-              <a:t>10/18/2019</a:t>
+              <a:t>1/6/2020</a:t>
             </a:fld>
             <a:endParaRPr lang="en-US"/>
           </a:p>
@@ -598,7 +598,7 @@
           <a:p>
             <a:fld id="{B46AAE34-CC7D-44A2-8AD8-29A5577BC5DC}" type="datetimeFigureOut">
               <a:rPr lang="en-US" smtClean="0"/>
-              <a:t>10/18/2019</a:t>
+              <a:t>1/6/2020</a:t>
             </a:fld>
             <a:endParaRPr lang="en-US"/>
           </a:p>
@@ -768,7 +768,7 @@
           <a:p>
             <a:fld id="{B46AAE34-CC7D-44A2-8AD8-29A5577BC5DC}" type="datetimeFigureOut">
               <a:rPr lang="en-US" smtClean="0"/>
-              <a:t>10/18/2019</a:t>
+              <a:t>1/6/2020</a:t>
             </a:fld>
             <a:endParaRPr lang="en-US"/>
           </a:p>
@@ -1014,7 +1014,7 @@
           <a:p>
             <a:fld id="{B46AAE34-CC7D-44A2-8AD8-29A5577BC5DC}" type="datetimeFigureOut">
               <a:rPr lang="en-US" smtClean="0"/>
-              <a:t>10/18/2019</a:t>
+              <a:t>1/6/2020</a:t>
             </a:fld>
             <a:endParaRPr lang="en-US"/>
           </a:p>
@@ -1246,7 +1246,7 @@
           <a:p>
             <a:fld id="{B46AAE34-CC7D-44A2-8AD8-29A5577BC5DC}" type="datetimeFigureOut">
               <a:rPr lang="en-US" smtClean="0"/>
-              <a:t>10/18/2019</a:t>
+              <a:t>1/6/2020</a:t>
             </a:fld>
             <a:endParaRPr lang="en-US"/>
           </a:p>
@@ -1613,7 +1613,7 @@
           <a:p>
             <a:fld id="{B46AAE34-CC7D-44A2-8AD8-29A5577BC5DC}" type="datetimeFigureOut">
               <a:rPr lang="en-US" smtClean="0"/>
-              <a:t>10/18/2019</a:t>
+              <a:t>1/6/2020</a:t>
             </a:fld>
             <a:endParaRPr lang="en-US"/>
           </a:p>
@@ -1731,7 +1731,7 @@
           <a:p>
             <a:fld id="{B46AAE34-CC7D-44A2-8AD8-29A5577BC5DC}" type="datetimeFigureOut">
               <a:rPr lang="en-US" smtClean="0"/>
-              <a:t>10/18/2019</a:t>
+              <a:t>1/6/2020</a:t>
             </a:fld>
             <a:endParaRPr lang="en-US"/>
           </a:p>
@@ -1826,7 +1826,7 @@
           <a:p>
             <a:fld id="{B46AAE34-CC7D-44A2-8AD8-29A5577BC5DC}" type="datetimeFigureOut">
               <a:rPr lang="en-US" smtClean="0"/>
-              <a:t>10/18/2019</a:t>
+              <a:t>1/6/2020</a:t>
             </a:fld>
             <a:endParaRPr lang="en-US"/>
           </a:p>
@@ -2103,7 +2103,7 @@
           <a:p>
             <a:fld id="{B46AAE34-CC7D-44A2-8AD8-29A5577BC5DC}" type="datetimeFigureOut">
               <a:rPr lang="en-US" smtClean="0"/>
-              <a:t>10/18/2019</a:t>
+              <a:t>1/6/2020</a:t>
             </a:fld>
             <a:endParaRPr lang="en-US"/>
           </a:p>
@@ -2360,7 +2360,7 @@
           <a:p>
             <a:fld id="{B46AAE34-CC7D-44A2-8AD8-29A5577BC5DC}" type="datetimeFigureOut">
               <a:rPr lang="en-US" smtClean="0"/>
-              <a:t>10/18/2019</a:t>
+              <a:t>1/6/2020</a:t>
             </a:fld>
             <a:endParaRPr lang="en-US"/>
           </a:p>
@@ -2573,7 +2573,7 @@
           <a:p>
             <a:fld id="{B46AAE34-CC7D-44A2-8AD8-29A5577BC5DC}" type="datetimeFigureOut">
               <a:rPr lang="en-US" smtClean="0"/>
-              <a:t>10/18/2019</a:t>
+              <a:t>1/6/2020</a:t>
             </a:fld>
             <a:endParaRPr lang="en-US"/>
           </a:p>
@@ -4252,7 +4252,7 @@
                   </a:schemeClr>
                 </a:solidFill>
               </a:rPr>
-              <a:t>Read and Write Spatial Data in  R</a:t>
+              <a:t>Spatial Data Processing</a:t>
             </a:r>
           </a:p>
         </p:txBody>
